--- a/docs/Final_Pres_Bookworm.pptx
+++ b/docs/Final_Pres_Bookworm.pptx
@@ -275,7 +275,7 @@
       </p15:sldGuideLst>
     </p:ext>
     <p:ext uri="GoogleSlidesCustomDataVersion2">
-      <go:slidesCustomData xmlns:go="http://customooxmlschemas.google.com/" xmlns:ahyp="http://schemas.microsoft.com/office/drawing/2018/hyperlinkcolor" xmlns:p15="http://schemas.microsoft.com/office/powerpoint/2012/main" xmlns:p14="http://schemas.microsoft.com/office/powerpoint/2010/main" xmlns:com="http://schemas.openxmlformats.org/drawingml/2006/compatibility" xmlns:pvml="urn:schemas-microsoft-com:office:powerpoint" xmlns:v="urn:schemas-microsoft-com:vml" xmlns:o="urn:schemas-microsoft-com:office:office" xmlns:dgm="http://schemas.openxmlformats.org/drawingml/2006/diagram" xmlns:c="http://schemas.openxmlformats.org/drawingml/2006/chart" xmlns:mv="urn:schemas-microsoft-com:mac:vml" xmlns:mc="http://schemas.openxmlformats.org/markup-compatibility/2006" xmlns="" r:id="rId20" roundtripDataSignature="AMtx7mgAjmVNscf6zQqDp3jfjwj77Y4w4Q=="/>
+      <go:slidesCustomData xmlns="" xmlns:mc="http://schemas.openxmlformats.org/markup-compatibility/2006" xmlns:mv="urn:schemas-microsoft-com:mac:vml" xmlns:c="http://schemas.openxmlformats.org/drawingml/2006/chart" xmlns:dgm="http://schemas.openxmlformats.org/drawingml/2006/diagram" xmlns:o="urn:schemas-microsoft-com:office:office" xmlns:v="urn:schemas-microsoft-com:vml" xmlns:pvml="urn:schemas-microsoft-com:office:powerpoint" xmlns:com="http://schemas.openxmlformats.org/drawingml/2006/compatibility" xmlns:p14="http://schemas.microsoft.com/office/powerpoint/2010/main" xmlns:p15="http://schemas.microsoft.com/office/powerpoint/2012/main" xmlns:ahyp="http://schemas.microsoft.com/office/drawing/2018/hyperlinkcolor" xmlns:go="http://customooxmlschemas.google.com/" r:id="rId20" roundtripDataSignature="AMtx7mgAjmVNscf6zQqDp3jfjwj77Y4w4Q=="/>
     </p:ext>
   </p:extLst>
 </p:presentation>
@@ -10873,7 +10873,7 @@
         </p:spPr>
         <p:txBody>
           <a:bodyPr spcFirstLastPara="1" wrap="square" lIns="91425" tIns="91425" rIns="91425" bIns="91425" anchor="t" anchorCtr="0">
-            <a:normAutofit/>
+            <a:normAutofit fontScale="90000"/>
           </a:bodyPr>
           <a:lstStyle/>
           <a:p>
@@ -11720,26 +11720,7 @@
                   </a:extLst>
                 </a:hlinkClick>
               </a:rPr>
-              <a:t>Kaggle Book Crossing Datase</a:t>
-            </a:r>
-            <a:r>
-              <a:rPr lang="en-US" sz="4800" b="0" i="0" u="sng">
-                <a:solidFill>
-                  <a:srgbClr val="0563C1"/>
-                </a:solidFill>
-                <a:latin typeface="Arial"/>
-                <a:ea typeface="Arial"/>
-                <a:cs typeface="Arial"/>
-                <a:sym typeface="Arial"/>
-                <a:hlinkClick r:id="rId3">
-                  <a:extLst>
-                    <a:ext uri="{A12FA001-AC4F-418D-AE19-62706E023703}">
-                      <ahyp:hlinkClr xmlns:ahyp="http://schemas.microsoft.com/office/drawing/2018/hyperlinkcolor" val="tx"/>
-                    </a:ext>
-                  </a:extLst>
-                </a:hlinkClick>
-              </a:rPr>
-              <a:t>t</a:t>
+              <a:t>Kaggle Book Crossing Dataset</a:t>
             </a:r>
             <a:endParaRPr sz="4800" b="0" i="0" u="sng">
               <a:solidFill>
@@ -13731,7 +13712,7 @@
         </p:spPr>
         <p:txBody>
           <a:bodyPr spcFirstLastPara="1" wrap="square" lIns="91425" tIns="91425" rIns="91425" bIns="91425" anchor="t" anchorCtr="0">
-            <a:normAutofit fontScale="62500" lnSpcReduction="20000"/>
+            <a:normAutofit fontScale="70000" lnSpcReduction="20000"/>
           </a:bodyPr>
           <a:lstStyle/>
           <a:p>
@@ -13999,102 +13980,6 @@
           </a:p>
         </p:txBody>
       </p:sp>
-      <p:sp>
-        <p:nvSpPr>
-          <p:cNvPr id="122" name="Google Shape;122;p7"/>
-          <p:cNvSpPr txBox="1">
-            <a:spLocks noGrp="1"/>
-          </p:cNvSpPr>
-          <p:nvPr>
-            <p:ph type="body" idx="1"/>
-          </p:nvPr>
-        </p:nvSpPr>
-        <p:spPr>
-          <a:xfrm>
-            <a:off x="311700" y="1152475"/>
-            <a:ext cx="8520600" cy="3416400"/>
-          </a:xfrm>
-          <a:prstGeom prst="rect">
-            <a:avLst/>
-          </a:prstGeom>
-          <a:noFill/>
-          <a:ln>
-            <a:noFill/>
-          </a:ln>
-        </p:spPr>
-        <p:txBody>
-          <a:bodyPr spcFirstLastPara="1" wrap="square" lIns="91425" tIns="91425" rIns="91425" bIns="91425" anchor="t" anchorCtr="0">
-            <a:normAutofit/>
-          </a:bodyPr>
-          <a:lstStyle/>
-          <a:p>
-            <a:pPr marL="914400" lvl="1" indent="-228600" algn="l" rtl="0">
-              <a:lnSpc>
-                <a:spcPct val="115000"/>
-              </a:lnSpc>
-              <a:spcBef>
-                <a:spcPts val="1200"/>
-              </a:spcBef>
-              <a:spcAft>
-                <a:spcPts val="0"/>
-              </a:spcAft>
-              <a:buClr>
-                <a:schemeClr val="dk1"/>
-              </a:buClr>
-              <a:buSzPts val="1100"/>
-              <a:buNone/>
-            </a:pPr>
-            <a:endParaRPr sz="1800">
-              <a:highlight>
-                <a:srgbClr val="FFFFFF"/>
-              </a:highlight>
-            </a:endParaRPr>
-          </a:p>
-          <a:p>
-            <a:pPr marL="0" lvl="0" indent="0" algn="l" rtl="0">
-              <a:lnSpc>
-                <a:spcPct val="115000"/>
-              </a:lnSpc>
-              <a:spcBef>
-                <a:spcPts val="1200"/>
-              </a:spcBef>
-              <a:spcAft>
-                <a:spcPts val="1200"/>
-              </a:spcAft>
-              <a:buSzPts val="1800"/>
-              <a:buNone/>
-            </a:pPr>
-            <a:endParaRPr/>
-          </a:p>
-        </p:txBody>
-      </p:sp>
-      <p:pic>
-        <p:nvPicPr>
-          <p:cNvPr id="123" name="Google Shape;123;p7"/>
-          <p:cNvPicPr preferRelativeResize="0"/>
-          <p:nvPr/>
-        </p:nvPicPr>
-        <p:blipFill rotWithShape="1">
-          <a:blip r:embed="rId3">
-            <a:alphaModFix/>
-          </a:blip>
-          <a:srcRect/>
-          <a:stretch/>
-        </p:blipFill>
-        <p:spPr>
-          <a:xfrm>
-            <a:off x="2154445" y="899886"/>
-            <a:ext cx="3080910" cy="3721100"/>
-          </a:xfrm>
-          <a:prstGeom prst="rect">
-            <a:avLst/>
-          </a:prstGeom>
-          <a:noFill/>
-          <a:ln>
-            <a:noFill/>
-          </a:ln>
-        </p:spPr>
-      </p:pic>
       <p:pic>
         <p:nvPicPr>
           <p:cNvPr id="124" name="Google Shape;124;p7" descr="A blue and black butterfly&#10;&#10;Description automatically generated"/>
@@ -14102,7 +13987,7 @@
           <p:nvPr/>
         </p:nvPicPr>
         <p:blipFill rotWithShape="1">
-          <a:blip r:embed="rId4">
+          <a:blip r:embed="rId3">
             <a:alphaModFix/>
           </a:blip>
           <a:srcRect/>
@@ -14120,6 +14005,36 @@
           <a:ln>
             <a:noFill/>
           </a:ln>
+        </p:spPr>
+      </p:pic>
+      <p:pic>
+        <p:nvPicPr>
+          <p:cNvPr id="10" name="Picture 9">
+            <a:extLst>
+              <a:ext uri="{FF2B5EF4-FFF2-40B4-BE49-F238E27FC236}">
+                <a16:creationId xmlns:a16="http://schemas.microsoft.com/office/drawing/2014/main" id="{7BDD0C9D-144A-C9FF-B98D-C4C92E0DF25E}"/>
+              </a:ext>
+            </a:extLst>
+          </p:cNvPr>
+          <p:cNvPicPr>
+            <a:picLocks noChangeAspect="1"/>
+          </p:cNvPicPr>
+          <p:nvPr/>
+        </p:nvPicPr>
+        <p:blipFill>
+          <a:blip r:embed="rId4"/>
+          <a:stretch>
+            <a:fillRect/>
+          </a:stretch>
+        </p:blipFill>
+        <p:spPr>
+          <a:xfrm>
+            <a:off x="1937658" y="480645"/>
+            <a:ext cx="4226239" cy="4451430"/>
+          </a:xfrm>
+          <a:prstGeom prst="rect">
+            <a:avLst/>
+          </a:prstGeom>
         </p:spPr>
       </p:pic>
     </p:spTree>
@@ -14172,7 +14087,7 @@
         </p:spPr>
         <p:txBody>
           <a:bodyPr spcFirstLastPara="1" wrap="square" lIns="91425" tIns="91425" rIns="91425" bIns="91425" anchor="t" anchorCtr="0">
-            <a:normAutofit/>
+            <a:normAutofit fontScale="90000"/>
           </a:bodyPr>
           <a:lstStyle/>
           <a:p>

--- a/docs/Final_Pres_Bookworm.pptx
+++ b/docs/Final_Pres_Bookworm.pptx
@@ -23,7 +23,7 @@
   <p:notesSz cx="6858000" cy="9144000"/>
   <p:embeddedFontLst>
     <p:embeddedFont>
-      <p:font typeface="Helvetica Neue" panose="020B0604020202020204" charset="0"/>
+      <p:font typeface="Helvetica Neue" panose="02000503000000020004" pitchFamily="2" charset="0"/>
       <p:regular r:id="rId13"/>
       <p:bold r:id="rId14"/>
       <p:italic r:id="rId15"/>
@@ -275,7 +275,7 @@
       </p15:sldGuideLst>
     </p:ext>
     <p:ext uri="GoogleSlidesCustomDataVersion2">
-      <go:slidesCustomData xmlns:go="http://customooxmlschemas.google.com/" xmlns:ahyp="http://schemas.microsoft.com/office/drawing/2018/hyperlinkcolor" xmlns:p15="http://schemas.microsoft.com/office/powerpoint/2012/main" xmlns:p14="http://schemas.microsoft.com/office/powerpoint/2010/main" xmlns:com="http://schemas.openxmlformats.org/drawingml/2006/compatibility" xmlns:pvml="urn:schemas-microsoft-com:office:powerpoint" xmlns:v="urn:schemas-microsoft-com:vml" xmlns:o="urn:schemas-microsoft-com:office:office" xmlns:dgm="http://schemas.openxmlformats.org/drawingml/2006/diagram" xmlns:c="http://schemas.openxmlformats.org/drawingml/2006/chart" xmlns:mv="urn:schemas-microsoft-com:mac:vml" xmlns:mc="http://schemas.openxmlformats.org/markup-compatibility/2006" xmlns="" r:id="rId20" roundtripDataSignature="AMtx7mgAjmVNscf6zQqDp3jfjwj77Y4w4Q=="/>
+      <go:slidesCustomData xmlns="" xmlns:mc="http://schemas.openxmlformats.org/markup-compatibility/2006" xmlns:mv="urn:schemas-microsoft-com:mac:vml" xmlns:c="http://schemas.openxmlformats.org/drawingml/2006/chart" xmlns:dgm="http://schemas.openxmlformats.org/drawingml/2006/diagram" xmlns:o="urn:schemas-microsoft-com:office:office" xmlns:v="urn:schemas-microsoft-com:vml" xmlns:pvml="urn:schemas-microsoft-com:office:powerpoint" xmlns:com="http://schemas.openxmlformats.org/drawingml/2006/compatibility" xmlns:p14="http://schemas.microsoft.com/office/powerpoint/2010/main" xmlns:p15="http://schemas.microsoft.com/office/powerpoint/2012/main" xmlns:ahyp="http://schemas.microsoft.com/office/drawing/2018/hyperlinkcolor" xmlns:go="http://customooxmlschemas.google.com/" r:id="rId20" roundtripDataSignature="AMtx7mgAjmVNscf6zQqDp3jfjwj77Y4w4Q=="/>
     </p:ext>
   </p:extLst>
 </p:presentation>
@@ -9923,10 +9923,10 @@
               <a:buNone/>
             </a:pPr>
             <a:r>
-              <a:rPr lang="en-US"/>
+              <a:rPr lang="en-US" dirty="0"/>
               <a:t>The Bookish Butterfly</a:t>
             </a:r>
-            <a:endParaRPr/>
+            <a:endParaRPr dirty="0"/>
           </a:p>
         </p:txBody>
       </p:sp>
@@ -9973,17 +9973,21 @@
               <a:buNone/>
             </a:pPr>
             <a:r>
-              <a:rPr lang="en-US" sz="1700"/>
-              <a:t>Priyam Gupta, Sue Boyd, </a:t>
+              <a:rPr lang="en-US" sz="1700" dirty="0" err="1"/>
+              <a:t>Priyam</a:t>
+            </a:r>
+            <a:r>
+              <a:rPr lang="en-US" sz="1700" dirty="0"/>
+              <a:t> Gupta, Sue Boyd, </a:t>
             </a:r>
             <a:br>
-              <a:rPr lang="en-US" sz="1700"/>
+              <a:rPr lang="en-US" sz="1700" dirty="0"/>
             </a:br>
             <a:r>
-              <a:rPr lang="en-US" sz="1700"/>
+              <a:rPr lang="en-US" sz="1700" dirty="0"/>
               <a:t>Lawrie Brunswick, Jacob Peterson</a:t>
             </a:r>
-            <a:endParaRPr sz="1700"/>
+            <a:endParaRPr sz="1700" dirty="0"/>
           </a:p>
         </p:txBody>
       </p:sp>
@@ -10113,14 +10117,14 @@
               <a:buNone/>
             </a:pPr>
             <a:r>
-              <a:rPr lang="en-US" sz="2500" b="1">
+              <a:rPr lang="en-US" sz="2500" b="1" dirty="0">
                 <a:highlight>
                   <a:srgbClr val="FFFFFF"/>
                 </a:highlight>
               </a:rPr>
               <a:t>Lessons Learned</a:t>
             </a:r>
-            <a:endParaRPr/>
+            <a:endParaRPr dirty="0"/>
           </a:p>
         </p:txBody>
       </p:sp>
@@ -10236,7 +10240,7 @@
               <a:buFont typeface="Arial"/>
               <a:buNone/>
             </a:pPr>
-            <a:endParaRPr sz="1400">
+            <a:endParaRPr sz="1400" dirty="0">
               <a:solidFill>
                 <a:srgbClr val="000000"/>
               </a:solidFill>
@@ -10257,21 +10261,22 @@
               <a:buChar char="•"/>
             </a:pPr>
             <a:r>
-              <a:rPr lang="en-US" sz="2200">
+              <a:rPr lang="en-US" sz="2200" dirty="0">
                 <a:solidFill>
                   <a:srgbClr val="111111"/>
                 </a:solidFill>
-                <a:latin typeface="Helvetica Neue"/>
+                <a:latin typeface="+mn-lt"/>
                 <a:ea typeface="Helvetica Neue"/>
                 <a:cs typeface="Helvetica Neue"/>
                 <a:sym typeface="Helvetica Neue"/>
               </a:rPr>
               <a:t>Consider data size and performance limitations early </a:t>
             </a:r>
-            <a:endParaRPr>
+            <a:endParaRPr dirty="0">
               <a:solidFill>
                 <a:srgbClr val="000000"/>
               </a:solidFill>
+              <a:latin typeface="+mn-lt"/>
             </a:endParaRPr>
           </a:p>
           <a:p>
@@ -10289,22 +10294,22 @@
               <a:buChar char="•"/>
             </a:pPr>
             <a:r>
-              <a:rPr lang="en-US" sz="2200">
+              <a:rPr lang="en-US" sz="2200" dirty="0">
                 <a:solidFill>
                   <a:srgbClr val="111111"/>
                 </a:solidFill>
-                <a:latin typeface="Helvetica Neue"/>
+                <a:latin typeface="+mn-lt"/>
                 <a:ea typeface="Helvetica Neue"/>
                 <a:cs typeface="Helvetica Neue"/>
                 <a:sym typeface="Helvetica Neue"/>
               </a:rPr>
               <a:t>Leave ample time for testing and CI </a:t>
             </a:r>
-            <a:endParaRPr>
+            <a:endParaRPr dirty="0">
               <a:solidFill>
                 <a:srgbClr val="111111"/>
               </a:solidFill>
-              <a:latin typeface="Helvetica Neue"/>
+              <a:latin typeface="+mn-lt"/>
               <a:ea typeface="Helvetica Neue"/>
               <a:cs typeface="Helvetica Neue"/>
               <a:sym typeface="Helvetica Neue"/>
@@ -10325,7 +10330,7 @@
               <a:buFont typeface="Arial"/>
               <a:buNone/>
             </a:pPr>
-            <a:endParaRPr/>
+            <a:endParaRPr dirty="0"/>
           </a:p>
           <a:p>
             <a:pPr marL="457200" lvl="0" indent="-228600" algn="l" rtl="0">
@@ -10341,7 +10346,7 @@
               <a:buSzPts val="1800"/>
               <a:buNone/>
             </a:pPr>
-            <a:endParaRPr/>
+            <a:endParaRPr dirty="0"/>
           </a:p>
         </p:txBody>
       </p:sp>
@@ -10440,10 +10445,10 @@
               <a:buNone/>
             </a:pPr>
             <a:r>
-              <a:rPr lang="en-US" sz="2320" b="1"/>
+              <a:rPr lang="en-US" sz="2320" b="1" dirty="0"/>
               <a:t>Background</a:t>
             </a:r>
-            <a:endParaRPr sz="2320" b="1"/>
+            <a:endParaRPr sz="2320" b="1" dirty="0"/>
           </a:p>
         </p:txBody>
       </p:sp>
@@ -10490,14 +10495,14 @@
               <a:buChar char="●"/>
             </a:pPr>
             <a:r>
-              <a:rPr lang="en-US" sz="8150">
+              <a:rPr lang="en-US" sz="8150" dirty="0">
                 <a:highlight>
                   <a:srgbClr val="FFFFFF"/>
                 </a:highlight>
               </a:rPr>
               <a:t>Millions of books out there -&gt; hard to find next best book</a:t>
             </a:r>
-            <a:endParaRPr sz="8150">
+            <a:endParaRPr sz="8150" dirty="0">
               <a:highlight>
                 <a:srgbClr val="FFFFFF"/>
               </a:highlight>
@@ -10518,14 +10523,14 @@
               <a:buChar char="●"/>
             </a:pPr>
             <a:r>
-              <a:rPr lang="en-US" sz="8150">
+              <a:rPr lang="en-US" sz="8150" dirty="0">
                 <a:highlight>
                   <a:srgbClr val="FFFFFF"/>
                 </a:highlight>
               </a:rPr>
               <a:t>Book recommenders are quick and convenient</a:t>
             </a:r>
-            <a:endParaRPr sz="8150">
+            <a:endParaRPr sz="8150" dirty="0">
               <a:highlight>
                 <a:srgbClr val="FFFFFF"/>
               </a:highlight>
@@ -10546,14 +10551,14 @@
               <a:buChar char="●"/>
             </a:pPr>
             <a:r>
-              <a:rPr lang="en-US" sz="8150">
+              <a:rPr lang="en-US" sz="8150" dirty="0">
                 <a:highlight>
                   <a:srgbClr val="FFFFFF"/>
                 </a:highlight>
               </a:rPr>
               <a:t>Many different approaches already produced</a:t>
             </a:r>
-            <a:endParaRPr sz="8150">
+            <a:endParaRPr sz="8150" dirty="0">
               <a:highlight>
                 <a:srgbClr val="FFFFFF"/>
               </a:highlight>
@@ -10572,7 +10577,7 @@
               </a:spcAft>
               <a:buNone/>
             </a:pPr>
-            <a:endParaRPr sz="8150">
+            <a:endParaRPr sz="8150" dirty="0">
               <a:highlight>
                 <a:srgbClr val="FFFFFF"/>
               </a:highlight>
@@ -10592,14 +10597,14 @@
               <a:buNone/>
             </a:pPr>
             <a:r>
-              <a:rPr lang="en-US" sz="8150" b="1">
+              <a:rPr lang="en-US" sz="8150" b="1" dirty="0">
                 <a:highlight>
                   <a:srgbClr val="FFFFFF"/>
                 </a:highlight>
               </a:rPr>
               <a:t>Our tool:</a:t>
             </a:r>
-            <a:endParaRPr sz="8150" b="1">
+            <a:endParaRPr sz="8150" b="1" dirty="0">
               <a:highlight>
                 <a:srgbClr val="FFFFFF"/>
               </a:highlight>
@@ -10620,14 +10625,14 @@
               <a:buChar char="●"/>
             </a:pPr>
             <a:r>
-              <a:rPr lang="en-US" sz="8150">
+              <a:rPr lang="en-US" sz="8150" dirty="0">
                 <a:highlight>
                   <a:srgbClr val="FFFFFF"/>
                 </a:highlight>
               </a:rPr>
               <a:t>Multi-modal approach for diverse preferences of users</a:t>
             </a:r>
-            <a:endParaRPr sz="8150">
+            <a:endParaRPr sz="8150" dirty="0">
               <a:highlight>
                 <a:srgbClr val="FFFFFF"/>
               </a:highlight>
@@ -10648,14 +10653,14 @@
               <a:buChar char="●"/>
             </a:pPr>
             <a:r>
-              <a:rPr lang="en-US" sz="8150">
+              <a:rPr lang="en-US" sz="8150" dirty="0">
                 <a:highlight>
                   <a:srgbClr val="FFFFFF"/>
                 </a:highlight>
               </a:rPr>
               <a:t>Optionality of inputs that integrate with different search schemes</a:t>
             </a:r>
-            <a:endParaRPr sz="8150">
+            <a:endParaRPr sz="8150" dirty="0">
               <a:highlight>
                 <a:srgbClr val="FFFFFF"/>
               </a:highlight>
@@ -10673,14 +10678,14 @@
               <a:buChar char="●"/>
             </a:pPr>
             <a:r>
-              <a:rPr lang="en-US" sz="8150">
+              <a:rPr lang="en-US" sz="8150" dirty="0">
                 <a:highlight>
                   <a:schemeClr val="lt1"/>
                 </a:highlight>
               </a:rPr>
               <a:t>Plot and Semantic search novelty</a:t>
             </a:r>
-            <a:endParaRPr sz="8150">
+            <a:endParaRPr sz="8150" dirty="0">
               <a:highlight>
                 <a:srgbClr val="FFFFFF"/>
               </a:highlight>
@@ -10701,14 +10706,14 @@
               <a:buChar char="●"/>
             </a:pPr>
             <a:r>
-              <a:rPr lang="en-US" sz="8150">
+              <a:rPr lang="en-US" sz="8150" dirty="0">
                 <a:highlight>
                   <a:srgbClr val="FFFFFF"/>
                 </a:highlight>
               </a:rPr>
               <a:t>Not advertiser influenced!</a:t>
             </a:r>
-            <a:endParaRPr sz="8150">
+            <a:endParaRPr sz="8150" dirty="0">
               <a:highlight>
                 <a:srgbClr val="FFFFFF"/>
               </a:highlight>
@@ -10727,7 +10732,7 @@
               </a:spcAft>
               <a:buNone/>
             </a:pPr>
-            <a:endParaRPr sz="2100">
+            <a:endParaRPr sz="2100" dirty="0">
               <a:highlight>
                 <a:srgbClr val="FFFFFF"/>
               </a:highlight>
@@ -10746,7 +10751,7 @@
               </a:spcAft>
               <a:buNone/>
             </a:pPr>
-            <a:endParaRPr sz="1600">
+            <a:endParaRPr sz="1600" dirty="0">
               <a:highlight>
                 <a:srgbClr val="FFFFFF"/>
               </a:highlight>
@@ -10769,7 +10774,7 @@
               <a:buSzPct val="100000"/>
               <a:buNone/>
             </a:pPr>
-            <a:endParaRPr sz="2200">
+            <a:endParaRPr sz="2200" dirty="0">
               <a:highlight>
                 <a:srgbClr val="FFFFFF"/>
               </a:highlight>
@@ -10792,7 +10797,7 @@
               <a:buSzPct val="61110"/>
               <a:buNone/>
             </a:pPr>
-            <a:endParaRPr/>
+            <a:endParaRPr dirty="0"/>
           </a:p>
         </p:txBody>
       </p:sp>
@@ -10873,7 +10878,7 @@
         </p:spPr>
         <p:txBody>
           <a:bodyPr spcFirstLastPara="1" wrap="square" lIns="91425" tIns="91425" rIns="91425" bIns="91425" anchor="t" anchorCtr="0">
-            <a:normAutofit/>
+            <a:normAutofit fontScale="90000"/>
           </a:bodyPr>
           <a:lstStyle/>
           <a:p>
@@ -10895,14 +10900,14 @@
               <a:buNone/>
             </a:pPr>
             <a:r>
-              <a:rPr lang="en-US" sz="2500" b="1">
+              <a:rPr lang="en-US" sz="2500" b="1" dirty="0">
                 <a:highlight>
                   <a:srgbClr val="FFFFFF"/>
                 </a:highlight>
               </a:rPr>
               <a:t>User Profiles and Use Cases </a:t>
             </a:r>
-            <a:endParaRPr/>
+            <a:endParaRPr dirty="0"/>
           </a:p>
         </p:txBody>
       </p:sp>
@@ -11281,14 +11286,14 @@
               <a:buNone/>
             </a:pPr>
             <a:r>
-              <a:rPr lang="en-US" sz="1800" b="1">
+              <a:rPr lang="en-US" sz="1800" b="1" dirty="0">
                 <a:solidFill>
                   <a:schemeClr val="dk2"/>
                 </a:solidFill>
               </a:rPr>
               <a:t>Bob Book </a:t>
             </a:r>
-            <a:endParaRPr sz="1100">
+            <a:endParaRPr sz="1100" dirty="0">
               <a:solidFill>
                 <a:schemeClr val="dk2"/>
               </a:solidFill>
@@ -11312,14 +11317,14 @@
               <a:buChar char="●"/>
             </a:pPr>
             <a:r>
-              <a:rPr lang="en-US" sz="1100">
+              <a:rPr lang="en-US" sz="1100" dirty="0">
                 <a:solidFill>
                   <a:schemeClr val="dk2"/>
                 </a:solidFill>
               </a:rPr>
               <a:t>Wants to find new books similar to those he has enjoyed reading in the past. </a:t>
             </a:r>
-            <a:endParaRPr sz="1100">
+            <a:endParaRPr sz="1100" dirty="0">
               <a:solidFill>
                 <a:schemeClr val="dk2"/>
               </a:solidFill>
@@ -11343,7 +11348,7 @@
               <a:buChar char="○"/>
             </a:pPr>
             <a:r>
-              <a:rPr lang="en-US" sz="1100" b="1">
+              <a:rPr lang="en-US" sz="1100" b="1" dirty="0">
                 <a:solidFill>
                   <a:schemeClr val="dk2"/>
                 </a:solidFill>
@@ -11351,14 +11356,14 @@
               <a:t>Use Case 1: </a:t>
             </a:r>
             <a:r>
-              <a:rPr lang="en-US" sz="1100">
+              <a:rPr lang="en-US" sz="1100" dirty="0">
                 <a:solidFill>
                   <a:schemeClr val="dk2"/>
                 </a:solidFill>
               </a:rPr>
               <a:t>Search for books similar to the Hunger Games</a:t>
             </a:r>
-            <a:endParaRPr sz="1100">
+            <a:endParaRPr sz="1100" dirty="0">
               <a:solidFill>
                 <a:schemeClr val="dk2"/>
               </a:solidFill>
@@ -11382,7 +11387,7 @@
               <a:buChar char="○"/>
             </a:pPr>
             <a:r>
-              <a:rPr lang="en-US" sz="1100" b="1">
+              <a:rPr lang="en-US" sz="1100" b="1" dirty="0">
                 <a:solidFill>
                   <a:schemeClr val="dk2"/>
                 </a:solidFill>
@@ -11390,14 +11395,14 @@
               <a:t>Use Case 2: </a:t>
             </a:r>
             <a:r>
-              <a:rPr lang="en-US" sz="1100">
+              <a:rPr lang="en-US" sz="1100" dirty="0">
                 <a:solidFill>
                   <a:schemeClr val="dk2"/>
                 </a:solidFill>
               </a:rPr>
               <a:t>Search for books about detectives solving cold case mysteries</a:t>
             </a:r>
-            <a:endParaRPr sz="1100">
+            <a:endParaRPr sz="1100" dirty="0">
               <a:solidFill>
                 <a:schemeClr val="dk2"/>
               </a:solidFill>
@@ -11440,14 +11445,14 @@
               <a:buNone/>
             </a:pPr>
             <a:r>
-              <a:rPr lang="en-US" sz="1800" b="1">
+              <a:rPr lang="en-US" sz="1800" b="1" dirty="0">
                 <a:solidFill>
                   <a:schemeClr val="dk2"/>
                 </a:solidFill>
               </a:rPr>
               <a:t>Genre Gerry</a:t>
             </a:r>
-            <a:endParaRPr sz="1800" b="1">
+            <a:endParaRPr sz="1800" b="1" dirty="0">
               <a:solidFill>
                 <a:schemeClr val="dk2"/>
               </a:solidFill>
@@ -11468,14 +11473,14 @@
               <a:buChar char="●"/>
             </a:pPr>
             <a:r>
-              <a:rPr lang="en-US" sz="1100">
+              <a:rPr lang="en-US" sz="1100" dirty="0">
                 <a:solidFill>
                   <a:schemeClr val="dk2"/>
                 </a:solidFill>
               </a:rPr>
               <a:t>Only wants to read books in his favorite Genres.</a:t>
             </a:r>
-            <a:endParaRPr sz="1100">
+            <a:endParaRPr sz="1100" dirty="0">
               <a:solidFill>
                 <a:schemeClr val="dk2"/>
               </a:solidFill>
@@ -11496,7 +11501,7 @@
               <a:buChar char="○"/>
             </a:pPr>
             <a:r>
-              <a:rPr lang="en-US" sz="1100" b="1">
+              <a:rPr lang="en-US" sz="1100" b="1" dirty="0">
                 <a:solidFill>
                   <a:schemeClr val="dk2"/>
                 </a:solidFill>
@@ -11504,14 +11509,14 @@
               <a:t>Use Case 1:</a:t>
             </a:r>
             <a:r>
-              <a:rPr lang="en-US" sz="1100">
+              <a:rPr lang="en-US" sz="1100" dirty="0">
                 <a:solidFill>
                   <a:schemeClr val="dk2"/>
                 </a:solidFill>
               </a:rPr>
               <a:t>  Search for books in the Mystery Genre.  </a:t>
             </a:r>
-            <a:endParaRPr sz="1100">
+            <a:endParaRPr sz="1100" dirty="0">
               <a:solidFill>
                 <a:schemeClr val="dk2"/>
               </a:solidFill>
@@ -11647,14 +11652,14 @@
               <a:buNone/>
             </a:pPr>
             <a:r>
-              <a:rPr lang="en-US" sz="2500" b="1">
+              <a:rPr lang="en-US" sz="2500" b="1" dirty="0">
                 <a:highlight>
                   <a:srgbClr val="FFFFFF"/>
                 </a:highlight>
               </a:rPr>
               <a:t>Raw Data Sources</a:t>
             </a:r>
-            <a:endParaRPr/>
+            <a:endParaRPr dirty="0"/>
           </a:p>
         </p:txBody>
       </p:sp>
@@ -11704,7 +11709,7 @@
               <a:buNone/>
             </a:pPr>
             <a:r>
-              <a:rPr lang="en-US" sz="4800" b="0" i="0" u="sng">
+              <a:rPr lang="en-US" sz="4800" b="0" i="0" u="sng" dirty="0">
                 <a:solidFill>
                   <a:srgbClr val="0563C1"/>
                 </a:solidFill>
@@ -11720,28 +11725,9 @@
                   </a:extLst>
                 </a:hlinkClick>
               </a:rPr>
-              <a:t>Kaggle Book Crossing Datase</a:t>
+              <a:t>Kaggle Book Crossing Dataset</a:t>
             </a:r>
-            <a:r>
-              <a:rPr lang="en-US" sz="4800" b="0" i="0" u="sng">
-                <a:solidFill>
-                  <a:srgbClr val="0563C1"/>
-                </a:solidFill>
-                <a:latin typeface="Arial"/>
-                <a:ea typeface="Arial"/>
-                <a:cs typeface="Arial"/>
-                <a:sym typeface="Arial"/>
-                <a:hlinkClick r:id="rId3">
-                  <a:extLst>
-                    <a:ext uri="{A12FA001-AC4F-418D-AE19-62706E023703}">
-                      <ahyp:hlinkClr xmlns:ahyp="http://schemas.microsoft.com/office/drawing/2018/hyperlinkcolor" val="tx"/>
-                    </a:ext>
-                  </a:extLst>
-                </a:hlinkClick>
-              </a:rPr>
-              <a:t>t</a:t>
-            </a:r>
-            <a:endParaRPr sz="4800" b="0" i="0" u="sng">
+            <a:endParaRPr sz="4800" b="0" i="0" u="sng" dirty="0">
               <a:solidFill>
                 <a:srgbClr val="0563C1"/>
               </a:solidFill>
@@ -11766,7 +11752,7 @@
               <a:buNone/>
             </a:pPr>
             <a:r>
-              <a:rPr lang="en-US" sz="4800" b="0" i="0">
+              <a:rPr lang="en-US" sz="4800" b="0" i="0" dirty="0">
                 <a:solidFill>
                   <a:srgbClr val="1F2328"/>
                 </a:solidFill>
@@ -11775,26 +11761,10 @@
                 <a:cs typeface="Arial"/>
                 <a:sym typeface="Arial"/>
               </a:rPr>
-              <a:t>BX-Book-Ratings.csv (1149779 values)</a:t>
+              <a:t>BX-Book-</a:t>
             </a:r>
-            <a:endParaRPr/>
-          </a:p>
-          <a:p>
-            <a:pPr marL="0" lvl="0" indent="0" algn="l" rtl="0">
-              <a:lnSpc>
-                <a:spcPct val="115000"/>
-              </a:lnSpc>
-              <a:spcBef>
-                <a:spcPts val="0"/>
-              </a:spcBef>
-              <a:spcAft>
-                <a:spcPts val="0"/>
-              </a:spcAft>
-              <a:buSzPct val="150000"/>
-              <a:buNone/>
-            </a:pPr>
             <a:r>
-              <a:rPr lang="en-US" sz="4800" b="0" i="0">
+              <a:rPr lang="en-US" sz="4800" b="0" i="0" dirty="0" err="1">
                 <a:solidFill>
                   <a:srgbClr val="1F2328"/>
                 </a:solidFill>
@@ -11803,9 +11773,21 @@
                 <a:cs typeface="Arial"/>
                 <a:sym typeface="Arial"/>
               </a:rPr>
-              <a:t>BX-Books.csv (271379 unique values)</a:t>
+              <a:t>Ratings.csv</a:t>
             </a:r>
-            <a:endParaRPr/>
+            <a:r>
+              <a:rPr lang="en-US" sz="4800" b="0" i="0" dirty="0">
+                <a:solidFill>
+                  <a:srgbClr val="1F2328"/>
+                </a:solidFill>
+                <a:latin typeface="Arial"/>
+                <a:ea typeface="Arial"/>
+                <a:cs typeface="Arial"/>
+                <a:sym typeface="Arial"/>
+              </a:rPr>
+              <a:t> (1149779 values)</a:t>
+            </a:r>
+            <a:endParaRPr dirty="0"/>
           </a:p>
           <a:p>
             <a:pPr marL="0" lvl="0" indent="0" algn="l" rtl="0">
@@ -11813,6 +11795,58 @@
                 <a:spcPct val="115000"/>
               </a:lnSpc>
               <a:spcBef>
+                <a:spcPts val="0"/>
+              </a:spcBef>
+              <a:spcAft>
+                <a:spcPts val="0"/>
+              </a:spcAft>
+              <a:buSzPct val="150000"/>
+              <a:buNone/>
+            </a:pPr>
+            <a:r>
+              <a:rPr lang="en-US" sz="4800" b="0" i="0" dirty="0">
+                <a:solidFill>
+                  <a:srgbClr val="1F2328"/>
+                </a:solidFill>
+                <a:latin typeface="Arial"/>
+                <a:ea typeface="Arial"/>
+                <a:cs typeface="Arial"/>
+                <a:sym typeface="Arial"/>
+              </a:rPr>
+              <a:t>BX-</a:t>
+            </a:r>
+            <a:r>
+              <a:rPr lang="en-US" sz="4800" b="0" i="0" dirty="0" err="1">
+                <a:solidFill>
+                  <a:srgbClr val="1F2328"/>
+                </a:solidFill>
+                <a:latin typeface="Arial"/>
+                <a:ea typeface="Arial"/>
+                <a:cs typeface="Arial"/>
+                <a:sym typeface="Arial"/>
+              </a:rPr>
+              <a:t>Books.csv</a:t>
+            </a:r>
+            <a:r>
+              <a:rPr lang="en-US" sz="4800" b="0" i="0" dirty="0">
+                <a:solidFill>
+                  <a:srgbClr val="1F2328"/>
+                </a:solidFill>
+                <a:latin typeface="Arial"/>
+                <a:ea typeface="Arial"/>
+                <a:cs typeface="Arial"/>
+                <a:sym typeface="Arial"/>
+              </a:rPr>
+              <a:t> (271379 unique values)</a:t>
+            </a:r>
+            <a:endParaRPr dirty="0"/>
+          </a:p>
+          <a:p>
+            <a:pPr marL="0" lvl="0" indent="0" algn="l" rtl="0">
+              <a:lnSpc>
+                <a:spcPct val="115000"/>
+              </a:lnSpc>
+              <a:spcBef>
                 <a:spcPts val="1200"/>
               </a:spcBef>
               <a:spcAft>
@@ -11821,7 +11855,7 @@
               <a:buSzPts val="1800"/>
               <a:buNone/>
             </a:pPr>
-            <a:endParaRPr/>
+            <a:endParaRPr dirty="0"/>
           </a:p>
         </p:txBody>
       </p:sp>
@@ -11890,7 +11924,7 @@
               <a:buNone/>
             </a:pPr>
             <a:r>
-              <a:rPr lang="en-US" sz="1200" b="0" i="0" u="sng" strike="noStrike" cap="none">
+              <a:rPr lang="en-US" sz="1200" b="0" i="0" u="sng" strike="noStrike" cap="none" dirty="0">
                 <a:solidFill>
                   <a:srgbClr val="0563C1"/>
                 </a:solidFill>
@@ -11909,7 +11943,7 @@
               <a:t>Kaggle CMU Book Summary </a:t>
             </a:r>
             <a:r>
-              <a:rPr lang="en-US" sz="1200" b="0" i="0" u="none" strike="noStrike" cap="none">
+              <a:rPr lang="en-US" sz="1200" b="0" i="0" u="none" strike="noStrike" cap="none" dirty="0" err="1">
                 <a:solidFill>
                   <a:srgbClr val="1F2328"/>
                 </a:solidFill>
@@ -11920,7 +11954,7 @@
               </a:rPr>
               <a:t>BookSumaries.txt</a:t>
             </a:r>
-            <a:endParaRPr/>
+            <a:endParaRPr dirty="0"/>
           </a:p>
           <a:p>
             <a:pPr marL="0" marR="0" lvl="0" indent="0" algn="l" rtl="0">
@@ -11936,7 +11970,7 @@
               <a:buNone/>
             </a:pPr>
             <a:r>
-              <a:rPr lang="en-US" sz="1200" b="0" i="0" u="none" strike="noStrike" cap="none">
+              <a:rPr lang="en-US" sz="1200" b="0" i="0" u="none" strike="noStrike" cap="none" dirty="0">
                 <a:solidFill>
                   <a:srgbClr val="1F2328"/>
                 </a:solidFill>
@@ -11947,7 +11981,7 @@
               </a:rPr>
               <a:t>16,559 unique values</a:t>
             </a:r>
-            <a:endParaRPr/>
+            <a:endParaRPr dirty="0"/>
           </a:p>
         </p:txBody>
       </p:sp>
@@ -11994,7 +12028,7 @@
               <a:buNone/>
             </a:pPr>
             <a:r>
-              <a:rPr lang="en-US" sz="1200" b="0" i="0" u="sng" strike="noStrike" cap="none">
+              <a:rPr lang="en-US" sz="1200" b="0" i="0" u="sng" strike="noStrike" cap="none" dirty="0">
                 <a:solidFill>
                   <a:srgbClr val="0563C1"/>
                 </a:solidFill>
@@ -12012,7 +12046,7 @@
               </a:rPr>
               <a:t>Google Books API</a:t>
             </a:r>
-            <a:endParaRPr sz="1200" b="0" i="0" u="none" strike="noStrike" cap="none">
+            <a:endParaRPr sz="1200" b="0" i="0" u="none" strike="noStrike" cap="none" dirty="0">
               <a:solidFill>
                 <a:srgbClr val="000000"/>
               </a:solidFill>
@@ -12042,7 +12076,7 @@
         </p:blipFill>
         <p:spPr>
           <a:xfrm>
-            <a:off x="297387" y="2408166"/>
+            <a:off x="309921" y="2349962"/>
             <a:ext cx="3048264" cy="2751058"/>
           </a:xfrm>
           <a:prstGeom prst="rect">
@@ -12124,7 +12158,7 @@
               <a:buNone/>
             </a:pPr>
             <a:r>
-              <a:rPr lang="en-US" sz="2000" b="1" i="0" u="none" strike="noStrike" cap="none">
+              <a:rPr lang="en-US" sz="2000" b="1" i="0" u="none" strike="noStrike" cap="none" dirty="0">
                 <a:solidFill>
                   <a:schemeClr val="dk2"/>
                 </a:solidFill>
@@ -12132,7 +12166,7 @@
               <a:t>Book Ratings</a:t>
             </a:r>
             <a:r>
-              <a:rPr lang="en-US" sz="1400" b="1" i="0" u="none" strike="noStrike" cap="none">
+              <a:rPr lang="en-US" sz="1400" b="1" i="0" u="none" strike="noStrike" cap="none" dirty="0">
                 <a:solidFill>
                   <a:schemeClr val="dk2"/>
                 </a:solidFill>
@@ -12143,7 +12177,7 @@
               </a:rPr>
               <a:t> </a:t>
             </a:r>
-            <a:endParaRPr/>
+            <a:endParaRPr dirty="0"/>
           </a:p>
         </p:txBody>
       </p:sp>
@@ -12190,14 +12224,14 @@
               <a:buNone/>
             </a:pPr>
             <a:r>
-              <a:rPr lang="en-US" sz="1200" i="1" u="none" strike="noStrike" cap="none">
+              <a:rPr lang="en-US" sz="1200" i="1" u="none" strike="noStrike" cap="none" dirty="0">
                 <a:solidFill>
                   <a:schemeClr val="dk2"/>
                 </a:solidFill>
               </a:rPr>
               <a:t>Used to augment CMU data with ISBN Numbers for matching with Book Ratings</a:t>
             </a:r>
-            <a:endParaRPr sz="1200" i="1"/>
+            <a:endParaRPr sz="1200" i="1" dirty="0"/>
           </a:p>
         </p:txBody>
       </p:sp>
@@ -12244,14 +12278,14 @@
               <a:buNone/>
             </a:pPr>
             <a:r>
-              <a:rPr lang="en-US" sz="2000" b="1">
+              <a:rPr lang="en-US" sz="2000" b="1" dirty="0">
                 <a:solidFill>
                   <a:schemeClr val="dk2"/>
                 </a:solidFill>
               </a:rPr>
               <a:t>Plot Summaries</a:t>
             </a:r>
-            <a:endParaRPr/>
+            <a:endParaRPr dirty="0"/>
           </a:p>
         </p:txBody>
       </p:sp>
@@ -12298,14 +12332,14 @@
               <a:buNone/>
             </a:pPr>
             <a:r>
-              <a:rPr lang="en-US" sz="2000" b="1">
+              <a:rPr lang="en-US" sz="2000" b="1" dirty="0">
                 <a:solidFill>
                   <a:schemeClr val="dk2"/>
                 </a:solidFill>
               </a:rPr>
               <a:t>ISBN Matching</a:t>
             </a:r>
-            <a:endParaRPr/>
+            <a:endParaRPr dirty="0"/>
           </a:p>
         </p:txBody>
       </p:sp>
@@ -12435,14 +12469,14 @@
               <a:buNone/>
             </a:pPr>
             <a:r>
-              <a:rPr lang="en-US" sz="2500" b="1">
+              <a:rPr lang="en-US" sz="2500" b="1" dirty="0">
                 <a:highlight>
                   <a:srgbClr val="FFFFFF"/>
                 </a:highlight>
               </a:rPr>
               <a:t>Data Cleaning and Joining	</a:t>
             </a:r>
-            <a:endParaRPr/>
+            <a:endParaRPr dirty="0"/>
           </a:p>
         </p:txBody>
       </p:sp>
@@ -12523,7 +12557,7 @@
         </p:nvSpPr>
         <p:spPr>
           <a:xfrm>
-            <a:off x="239129" y="3323062"/>
+            <a:off x="239129" y="3297184"/>
             <a:ext cx="8758492" cy="1525659"/>
           </a:xfrm>
           <a:prstGeom prst="rect">
@@ -12558,11 +12592,11 @@
               <a:buNone/>
             </a:pPr>
             <a:r>
-              <a:rPr lang="en-US" sz="4500" b="1">
+              <a:rPr lang="en-US" sz="4800" b="1" dirty="0">
                 <a:solidFill>
                   <a:srgbClr val="111111"/>
                 </a:solidFill>
-                <a:latin typeface="Helvetica Neue"/>
+                <a:latin typeface="+mn-lt"/>
                 <a:ea typeface="Helvetica Neue"/>
                 <a:cs typeface="Helvetica Neue"/>
                 <a:sym typeface="Helvetica Neue"/>
@@ -12570,11 +12604,11 @@
               <a:t>Data </a:t>
             </a:r>
             <a:r>
-              <a:rPr lang="en-US" sz="4500" b="1" i="0" u="none" strike="noStrike" cap="none">
+              <a:rPr lang="en-US" sz="4800" b="1" i="0" u="none" strike="noStrike" cap="none" dirty="0">
                 <a:solidFill>
                   <a:srgbClr val="111111"/>
                 </a:solidFill>
-                <a:latin typeface="Helvetica Neue"/>
+                <a:latin typeface="+mn-lt"/>
                 <a:ea typeface="Helvetica Neue"/>
                 <a:cs typeface="Helvetica Neue"/>
                 <a:sym typeface="Helvetica Neue"/>
@@ -12582,18 +12616,20 @@
               <a:t>Limitations</a:t>
             </a:r>
             <a:r>
-              <a:rPr lang="en-US" sz="4500" b="0" i="0" u="none" strike="noStrike" cap="none">
+              <a:rPr lang="en-US" sz="4800" b="0" i="0" u="none" strike="noStrike" cap="none" dirty="0">
                 <a:solidFill>
                   <a:srgbClr val="111111"/>
                 </a:solidFill>
-                <a:latin typeface="Helvetica Neue"/>
+                <a:latin typeface="+mn-lt"/>
                 <a:ea typeface="Helvetica Neue"/>
                 <a:cs typeface="Helvetica Neue"/>
                 <a:sym typeface="Helvetica Neue"/>
               </a:rPr>
               <a:t> </a:t>
             </a:r>
-            <a:endParaRPr sz="3000"/>
+            <a:endParaRPr sz="3600" dirty="0">
+              <a:latin typeface="+mn-lt"/>
+            </a:endParaRPr>
           </a:p>
           <a:p>
             <a:pPr marL="457200" marR="0" lvl="0" indent="-314157" algn="l" rtl="0">
@@ -12614,22 +12650,22 @@
               <a:buChar char="•"/>
             </a:pPr>
             <a:r>
-              <a:rPr lang="en-US" sz="3800">
+              <a:rPr lang="en-US" sz="4400" dirty="0">
                 <a:solidFill>
                   <a:srgbClr val="111111"/>
                 </a:solidFill>
-                <a:latin typeface="Helvetica Neue"/>
+                <a:latin typeface="+mn-lt"/>
                 <a:ea typeface="Helvetica Neue"/>
                 <a:cs typeface="Helvetica Neue"/>
                 <a:sym typeface="Helvetica Neue"/>
               </a:rPr>
               <a:t>Small Number of Books can lead to surprising/frustrating results in app (e.g. no results returned for common book or author)</a:t>
             </a:r>
-            <a:endParaRPr sz="3800">
+            <a:endParaRPr sz="4400" dirty="0">
               <a:solidFill>
                 <a:srgbClr val="111111"/>
               </a:solidFill>
-              <a:latin typeface="Helvetica Neue"/>
+              <a:latin typeface="+mn-lt"/>
               <a:ea typeface="Helvetica Neue"/>
               <a:cs typeface="Helvetica Neue"/>
               <a:sym typeface="Helvetica Neue"/>
@@ -12654,55 +12690,117 @@
               <a:buChar char="•"/>
             </a:pPr>
             <a:r>
-              <a:rPr lang="en-US" sz="3800" b="0" i="0" u="none" strike="noStrike" cap="none">
+              <a:rPr lang="en-US" sz="4400" b="0" i="0" u="none" strike="noStrike" cap="none" dirty="0" err="1">
                 <a:solidFill>
                   <a:srgbClr val="111111"/>
                 </a:solidFill>
-                <a:latin typeface="Helvetica Neue"/>
+                <a:latin typeface="+mn-lt"/>
                 <a:ea typeface="Helvetica Neue"/>
                 <a:cs typeface="Helvetica Neue"/>
                 <a:sym typeface="Helvetica Neue"/>
               </a:rPr>
-              <a:t>BookSummaries.txt had no ISBN field for hard matching to ratings data </a:t>
+              <a:t>BookSummaries.txt</a:t>
             </a:r>
-            <a:endParaRPr sz="3000"/>
-          </a:p>
-          <a:p>
-            <a:pPr marL="914400" marR="0" lvl="1" indent="-300789" algn="l" rtl="0">
-              <a:lnSpc>
-                <a:spcPct val="115000"/>
-              </a:lnSpc>
-              <a:spcBef>
-                <a:spcPts val="0"/>
-              </a:spcBef>
-              <a:spcAft>
-                <a:spcPts val="0"/>
-              </a:spcAft>
-              <a:buClr>
-                <a:schemeClr val="dk2"/>
-              </a:buClr>
-              <a:buSzPct val="119667"/>
-              <a:buFont typeface="Arial"/>
-              <a:buChar char="•"/>
-            </a:pPr>
             <a:r>
-              <a:rPr lang="en-US" sz="3800" b="0" i="0" u="none" strike="noStrike" cap="none">
+              <a:rPr lang="en-US" sz="4400" b="0" i="0" u="none" strike="noStrike" cap="none" dirty="0">
                 <a:solidFill>
                   <a:srgbClr val="111111"/>
                 </a:solidFill>
-                <a:latin typeface="Helvetica Neue"/>
+                <a:latin typeface="+mn-lt"/>
                 <a:ea typeface="Helvetica Neue"/>
                 <a:cs typeface="Helvetica Neue"/>
                 <a:sym typeface="Helvetica Neue"/>
               </a:rPr>
-              <a:t>Used fuzzy/best matching on author field between BX-Books.csv and BookSummaries.txt  🡪 </a:t>
+              <a:t> had no ISBN field for hard matching to ratings data </a:t>
+            </a:r>
+            <a:endParaRPr sz="3600" dirty="0">
+              <a:latin typeface="+mn-lt"/>
+            </a:endParaRPr>
+          </a:p>
+          <a:p>
+            <a:pPr marL="914400" marR="0" lvl="1" indent="-300789" algn="l" rtl="0">
+              <a:lnSpc>
+                <a:spcPct val="115000"/>
+              </a:lnSpc>
+              <a:spcBef>
+                <a:spcPts val="0"/>
+              </a:spcBef>
+              <a:spcAft>
+                <a:spcPts val="0"/>
+              </a:spcAft>
+              <a:buClr>
+                <a:schemeClr val="dk2"/>
+              </a:buClr>
+              <a:buSzPct val="119667"/>
+              <a:buFont typeface="Arial"/>
+              <a:buChar char="•"/>
+            </a:pPr>
+            <a:r>
+              <a:rPr lang="en-US" sz="4400" b="0" i="0" u="none" strike="noStrike" cap="none" dirty="0">
+                <a:solidFill>
+                  <a:srgbClr val="111111"/>
+                </a:solidFill>
+                <a:latin typeface="+mn-lt"/>
+                <a:ea typeface="Helvetica Neue"/>
+                <a:cs typeface="Helvetica Neue"/>
+                <a:sym typeface="Helvetica Neue"/>
+              </a:rPr>
+              <a:t>Used fuzzy/best matching on author field between BX-</a:t>
             </a:r>
             <a:r>
-              <a:rPr lang="en-US" sz="3800" b="1" i="0" u="none" strike="noStrike" cap="none">
+              <a:rPr lang="en-US" sz="4400" b="0" i="0" u="none" strike="noStrike" cap="none" dirty="0" err="1">
                 <a:solidFill>
                   <a:srgbClr val="111111"/>
                 </a:solidFill>
-                <a:latin typeface="Helvetica Neue"/>
+                <a:latin typeface="+mn-lt"/>
+                <a:ea typeface="Helvetica Neue"/>
+                <a:cs typeface="Helvetica Neue"/>
+                <a:sym typeface="Helvetica Neue"/>
+              </a:rPr>
+              <a:t>Books.csv</a:t>
+            </a:r>
+            <a:r>
+              <a:rPr lang="en-US" sz="4400" b="0" i="0" u="none" strike="noStrike" cap="none" dirty="0">
+                <a:solidFill>
+                  <a:srgbClr val="111111"/>
+                </a:solidFill>
+                <a:latin typeface="+mn-lt"/>
+                <a:ea typeface="Helvetica Neue"/>
+                <a:cs typeface="Helvetica Neue"/>
+                <a:sym typeface="Helvetica Neue"/>
+              </a:rPr>
+              <a:t> and </a:t>
+            </a:r>
+            <a:r>
+              <a:rPr lang="en-US" sz="4400" b="0" i="0" u="none" strike="noStrike" cap="none" dirty="0" err="1">
+                <a:solidFill>
+                  <a:srgbClr val="111111"/>
+                </a:solidFill>
+                <a:latin typeface="+mn-lt"/>
+                <a:ea typeface="Helvetica Neue"/>
+                <a:cs typeface="Helvetica Neue"/>
+                <a:sym typeface="Helvetica Neue"/>
+              </a:rPr>
+              <a:t>BookSummaries.txt</a:t>
+            </a:r>
+            <a:r>
+              <a:rPr lang="en-US" sz="4400" b="0" i="0" u="none" strike="noStrike" cap="none" dirty="0">
+                <a:solidFill>
+                  <a:srgbClr val="111111"/>
+                </a:solidFill>
+                <a:latin typeface="+mn-lt"/>
+                <a:ea typeface="Helvetica Neue"/>
+                <a:cs typeface="Helvetica Neue"/>
+                <a:sym typeface="Helvetica Neue"/>
+              </a:rPr>
+              <a:t>  🡪 </a:t>
+            </a:r>
+            <a:r>
+              <a:rPr lang="en-US" sz="4400" b="1" i="0" u="none" strike="noStrike" cap="none" dirty="0">
+                <a:solidFill>
+                  <a:srgbClr val="111111"/>
+                </a:solidFill>
+                <a:latin typeface="+mn-lt"/>
                 <a:ea typeface="Helvetica Neue"/>
                 <a:cs typeface="Helvetica Neue"/>
                 <a:sym typeface="Helvetica Neue"/>
@@ -12710,18 +12808,20 @@
               <a:t>6360 </a:t>
             </a:r>
             <a:r>
-              <a:rPr lang="en-US" sz="3800" b="0" i="0" u="none" strike="noStrike" cap="none">
+              <a:rPr lang="en-US" sz="4400" b="0" i="0" u="none" strike="noStrike" cap="none" dirty="0">
                 <a:solidFill>
                   <a:srgbClr val="111111"/>
                 </a:solidFill>
-                <a:latin typeface="Helvetica Neue"/>
+                <a:latin typeface="+mn-lt"/>
                 <a:ea typeface="Helvetica Neue"/>
                 <a:cs typeface="Helvetica Neue"/>
                 <a:sym typeface="Helvetica Neue"/>
               </a:rPr>
               <a:t>matches</a:t>
             </a:r>
-            <a:endParaRPr sz="3000"/>
+            <a:endParaRPr sz="3600" dirty="0">
+              <a:latin typeface="+mn-lt"/>
+            </a:endParaRPr>
           </a:p>
           <a:p>
             <a:pPr marL="914400" marR="0" lvl="1" indent="-300789" algn="l" rtl="0">
@@ -12742,11 +12842,11 @@
               <a:buChar char="•"/>
             </a:pPr>
             <a:r>
-              <a:rPr lang="en-US" sz="3800" b="0" i="0" u="none" strike="noStrike" cap="none">
+              <a:rPr lang="en-US" sz="4400" b="0" i="0" u="none" strike="noStrike" cap="none" dirty="0">
                 <a:solidFill>
                   <a:srgbClr val="111111"/>
                 </a:solidFill>
-                <a:latin typeface="Helvetica Neue"/>
+                <a:latin typeface="+mn-lt"/>
                 <a:ea typeface="Helvetica Neue"/>
                 <a:cs typeface="Helvetica Neue"/>
                 <a:sym typeface="Helvetica Neue"/>
@@ -12754,11 +12854,11 @@
               <a:t>Obtained ISBN (13 digit) for </a:t>
             </a:r>
             <a:r>
-              <a:rPr lang="en-US" sz="3800" b="1">
+              <a:rPr lang="en-US" sz="4400" b="1" dirty="0">
                 <a:solidFill>
                   <a:srgbClr val="111111"/>
                 </a:solidFill>
-                <a:latin typeface="Helvetica Neue"/>
+                <a:latin typeface="+mn-lt"/>
                 <a:ea typeface="Helvetica Neue"/>
                 <a:cs typeface="Helvetica Neue"/>
                 <a:sym typeface="Helvetica Neue"/>
@@ -12766,11 +12866,11 @@
               <a:t>7289</a:t>
             </a:r>
             <a:r>
-              <a:rPr lang="en-US" sz="3800">
+              <a:rPr lang="en-US" sz="4400" dirty="0">
                 <a:solidFill>
                   <a:srgbClr val="111111"/>
                 </a:solidFill>
-                <a:latin typeface="Helvetica Neue"/>
+                <a:latin typeface="+mn-lt"/>
                 <a:ea typeface="Helvetica Neue"/>
                 <a:cs typeface="Helvetica Neue"/>
                 <a:sym typeface="Helvetica Neue"/>
@@ -12778,11 +12878,11 @@
               <a:t> </a:t>
             </a:r>
             <a:r>
-              <a:rPr lang="en-US" sz="3800" b="0" i="0" u="none" strike="noStrike" cap="none">
+              <a:rPr lang="en-US" sz="4400" b="0" i="0" u="none" strike="noStrike" cap="none" dirty="0">
                 <a:solidFill>
                   <a:srgbClr val="111111"/>
                 </a:solidFill>
-                <a:latin typeface="Helvetica Neue"/>
+                <a:latin typeface="+mn-lt"/>
                 <a:ea typeface="Helvetica Neue"/>
                 <a:cs typeface="Helvetica Neue"/>
                 <a:sym typeface="Helvetica Neue"/>
@@ -12790,11 +12890,11 @@
               <a:t>matches using Google API</a:t>
             </a:r>
             <a:r>
-              <a:rPr lang="en-US" sz="3800">
+              <a:rPr lang="en-US" sz="4400" dirty="0">
                 <a:solidFill>
                   <a:srgbClr val="111111"/>
                 </a:solidFill>
-                <a:latin typeface="Helvetica Neue"/>
+                <a:latin typeface="+mn-lt"/>
                 <a:ea typeface="Helvetica Neue"/>
                 <a:cs typeface="Helvetica Neue"/>
                 <a:sym typeface="Helvetica Neue"/>
@@ -12802,11 +12902,11 @@
               <a:t> for total of </a:t>
             </a:r>
             <a:r>
-              <a:rPr lang="en-US" sz="3800" b="1">
+              <a:rPr lang="en-US" sz="4400" b="1" dirty="0">
                 <a:solidFill>
                   <a:srgbClr val="111111"/>
                 </a:solidFill>
-                <a:latin typeface="Helvetica Neue"/>
+                <a:latin typeface="+mn-lt"/>
                 <a:ea typeface="Helvetica Neue"/>
                 <a:cs typeface="Helvetica Neue"/>
                 <a:sym typeface="Helvetica Neue"/>
@@ -12814,11 +12914,11 @@
               <a:t>13649</a:t>
             </a:r>
             <a:r>
-              <a:rPr lang="en-US" sz="3800" b="1" i="0" u="none" strike="noStrike" cap="none">
+              <a:rPr lang="en-US" sz="4400" b="1" i="0" u="none" strike="noStrike" cap="none" dirty="0">
                 <a:solidFill>
                   <a:srgbClr val="111111"/>
                 </a:solidFill>
-                <a:latin typeface="Helvetica Neue"/>
+                <a:latin typeface="+mn-lt"/>
                 <a:ea typeface="Helvetica Neue"/>
                 <a:cs typeface="Helvetica Neue"/>
                 <a:sym typeface="Helvetica Neue"/>
@@ -12826,18 +12926,20 @@
               <a:t> </a:t>
             </a:r>
             <a:r>
-              <a:rPr lang="en-US" sz="3800" b="0" i="0" u="none" strike="noStrike" cap="none">
+              <a:rPr lang="en-US" sz="4400" b="0" i="0" u="none" strike="noStrike" cap="none" dirty="0">
                 <a:solidFill>
                   <a:srgbClr val="111111"/>
                 </a:solidFill>
-                <a:latin typeface="Helvetica Neue"/>
+                <a:latin typeface="+mn-lt"/>
                 <a:ea typeface="Helvetica Neue"/>
                 <a:cs typeface="Helvetica Neue"/>
                 <a:sym typeface="Helvetica Neue"/>
               </a:rPr>
               <a:t>matches</a:t>
             </a:r>
-            <a:endParaRPr sz="3000"/>
+            <a:endParaRPr sz="3600" dirty="0">
+              <a:latin typeface="+mn-lt"/>
+            </a:endParaRPr>
           </a:p>
           <a:p>
             <a:pPr marL="457200" marR="0" lvl="0" indent="-314157" algn="l" rtl="0">
@@ -12858,18 +12960,20 @@
               <a:buChar char="•"/>
             </a:pPr>
             <a:r>
-              <a:rPr lang="en-US" sz="3800" b="0" i="0" u="none" strike="noStrike" cap="none">
+              <a:rPr lang="en-US" sz="4400" b="0" i="0" u="none" strike="noStrike" cap="none" dirty="0">
                 <a:solidFill>
                   <a:srgbClr val="111111"/>
                 </a:solidFill>
-                <a:latin typeface="Helvetica Neue"/>
+                <a:latin typeface="+mn-lt"/>
                 <a:ea typeface="Helvetica Neue"/>
                 <a:cs typeface="Helvetica Neue"/>
                 <a:sym typeface="Helvetica Neue"/>
               </a:rPr>
               <a:t>Sparse Fields </a:t>
             </a:r>
-            <a:endParaRPr sz="3000"/>
+            <a:endParaRPr sz="3600" dirty="0">
+              <a:latin typeface="+mn-lt"/>
+            </a:endParaRPr>
           </a:p>
           <a:p>
             <a:pPr marL="914400" marR="0" lvl="1" indent="-300789" algn="l" rtl="0">
@@ -12890,11 +12994,11 @@
               <a:buChar char="•"/>
             </a:pPr>
             <a:r>
-              <a:rPr lang="en-US" sz="3800" b="0" i="0" u="none" strike="noStrike" cap="none">
+              <a:rPr lang="en-US" sz="4400" b="0" i="0" u="none" strike="noStrike" cap="none" dirty="0">
                 <a:solidFill>
                   <a:srgbClr val="111111"/>
                 </a:solidFill>
-                <a:latin typeface="Helvetica Neue"/>
+                <a:latin typeface="+mn-lt"/>
                 <a:ea typeface="Helvetica Neue"/>
                 <a:cs typeface="Helvetica Neue"/>
                 <a:sym typeface="Helvetica Neue"/>
@@ -12902,11 +13006,11 @@
               <a:t>Book genres (</a:t>
             </a:r>
             <a:r>
-              <a:rPr lang="en-US" sz="3800" b="1">
+              <a:rPr lang="en-US" sz="4400" b="1" dirty="0">
                 <a:solidFill>
                   <a:srgbClr val="111111"/>
                 </a:solidFill>
-                <a:latin typeface="Helvetica Neue"/>
+                <a:latin typeface="+mn-lt"/>
                 <a:ea typeface="Helvetica Neue"/>
                 <a:cs typeface="Helvetica Neue"/>
                 <a:sym typeface="Helvetica Neue"/>
@@ -12914,11 +13018,11 @@
               <a:t>11025</a:t>
             </a:r>
             <a:r>
-              <a:rPr lang="en-US" sz="3800">
+              <a:rPr lang="en-US" sz="4400" dirty="0">
                 <a:solidFill>
                   <a:srgbClr val="111111"/>
                 </a:solidFill>
-                <a:latin typeface="Helvetica Neue"/>
+                <a:latin typeface="+mn-lt"/>
                 <a:ea typeface="Helvetica Neue"/>
                 <a:cs typeface="Helvetica Neue"/>
                 <a:sym typeface="Helvetica Neue"/>
@@ -12926,11 +13030,11 @@
               <a:t> </a:t>
             </a:r>
             <a:r>
-              <a:rPr lang="en-US" sz="3800" b="0" i="0" u="none" strike="noStrike" cap="none">
+              <a:rPr lang="en-US" sz="4400" b="0" i="0" u="none" strike="noStrike" cap="none" dirty="0">
                 <a:solidFill>
                   <a:srgbClr val="111111"/>
                 </a:solidFill>
-                <a:latin typeface="Helvetica Neue"/>
+                <a:latin typeface="+mn-lt"/>
                 <a:ea typeface="Helvetica Neue"/>
                 <a:cs typeface="Helvetica Neue"/>
                 <a:sym typeface="Helvetica Neue"/>
@@ -12938,11 +13042,11 @@
               <a:t>of </a:t>
             </a:r>
             <a:r>
-              <a:rPr lang="en-US" sz="3800">
+              <a:rPr lang="en-US" sz="4400" dirty="0">
                 <a:solidFill>
                   <a:srgbClr val="111111"/>
                 </a:solidFill>
-                <a:latin typeface="Helvetica Neue"/>
+                <a:latin typeface="+mn-lt"/>
                 <a:ea typeface="Helvetica Neue"/>
                 <a:cs typeface="Helvetica Neue"/>
                 <a:sym typeface="Helvetica Neue"/>
@@ -12950,18 +13054,20 @@
               <a:t>13649 books had genre marked</a:t>
             </a:r>
             <a:r>
-              <a:rPr lang="en-US" sz="3800" b="0" i="0" u="none" strike="noStrike" cap="none">
+              <a:rPr lang="en-US" sz="4400" b="0" i="0" u="none" strike="noStrike" cap="none" dirty="0">
                 <a:solidFill>
                   <a:srgbClr val="111111"/>
                 </a:solidFill>
-                <a:latin typeface="Helvetica Neue"/>
+                <a:latin typeface="+mn-lt"/>
                 <a:ea typeface="Helvetica Neue"/>
                 <a:cs typeface="Helvetica Neue"/>
                 <a:sym typeface="Helvetica Neue"/>
               </a:rPr>
               <a:t>)</a:t>
             </a:r>
-            <a:endParaRPr sz="3000"/>
+            <a:endParaRPr sz="3600" dirty="0">
+              <a:latin typeface="+mn-lt"/>
+            </a:endParaRPr>
           </a:p>
           <a:p>
             <a:pPr marL="914400" marR="0" lvl="1" indent="-300789" algn="l" rtl="0">
@@ -12982,11 +13088,11 @@
               <a:buChar char="•"/>
             </a:pPr>
             <a:r>
-              <a:rPr lang="en-US" sz="3800" b="0" i="0" u="none" strike="noStrike" cap="none">
+              <a:rPr lang="en-US" sz="4400" b="0" i="0" u="none" strike="noStrike" cap="none" dirty="0">
                 <a:solidFill>
                   <a:srgbClr val="111111"/>
                 </a:solidFill>
-                <a:latin typeface="Helvetica Neue"/>
+                <a:latin typeface="+mn-lt"/>
                 <a:ea typeface="Helvetica Neue"/>
                 <a:cs typeface="Helvetica Neue"/>
                 <a:sym typeface="Helvetica Neue"/>
@@ -12994,11 +13100,11 @@
               <a:t>Book Rating (</a:t>
             </a:r>
             <a:r>
-              <a:rPr lang="en-US" sz="3800" b="1">
+              <a:rPr lang="en-US" sz="4400" b="1" dirty="0">
                 <a:solidFill>
                   <a:srgbClr val="111111"/>
                 </a:solidFill>
-                <a:latin typeface="Helvetica Neue"/>
+                <a:latin typeface="+mn-lt"/>
                 <a:ea typeface="Helvetica Neue"/>
                 <a:cs typeface="Helvetica Neue"/>
                 <a:sym typeface="Helvetica Neue"/>
@@ -13006,11 +13112,11 @@
               <a:t>5115</a:t>
             </a:r>
             <a:r>
-              <a:rPr lang="en-US" sz="3800" b="0" i="0" u="none" strike="noStrike" cap="none">
+              <a:rPr lang="en-US" sz="4400" b="0" i="0" u="none" strike="noStrike" cap="none" dirty="0">
                 <a:solidFill>
                   <a:srgbClr val="111111"/>
                 </a:solidFill>
-                <a:latin typeface="Helvetica Neue"/>
+                <a:latin typeface="+mn-lt"/>
                 <a:ea typeface="Helvetica Neue"/>
                 <a:cs typeface="Helvetica Neue"/>
                 <a:sym typeface="Helvetica Neue"/>
@@ -13018,11 +13124,11 @@
               <a:t> of </a:t>
             </a:r>
             <a:r>
-              <a:rPr lang="en-US" sz="3800">
+              <a:rPr lang="en-US" sz="4400" dirty="0">
                 <a:solidFill>
                   <a:srgbClr val="111111"/>
                 </a:solidFill>
-                <a:latin typeface="Helvetica Neue"/>
+                <a:latin typeface="+mn-lt"/>
                 <a:ea typeface="Helvetica Neue"/>
                 <a:cs typeface="Helvetica Neue"/>
                 <a:sym typeface="Helvetica Neue"/>
@@ -13030,22 +13136,22 @@
               <a:t>13649</a:t>
             </a:r>
             <a:r>
-              <a:rPr lang="en-US" sz="3800" b="0" i="0" u="none" strike="noStrike" cap="none">
+              <a:rPr lang="en-US" sz="4400" b="0" i="0" u="none" strike="noStrike" cap="none" dirty="0">
                 <a:solidFill>
                   <a:srgbClr val="111111"/>
                 </a:solidFill>
-                <a:latin typeface="Helvetica Neue"/>
+                <a:latin typeface="+mn-lt"/>
                 <a:ea typeface="Helvetica Neue"/>
                 <a:cs typeface="Helvetica Neue"/>
                 <a:sym typeface="Helvetica Neue"/>
               </a:rPr>
               <a:t> books had ratings)</a:t>
             </a:r>
-            <a:endParaRPr sz="3800" b="0" i="0" u="none" strike="noStrike" cap="none">
+            <a:endParaRPr sz="4400" b="0" i="0" u="none" strike="noStrike" cap="none" dirty="0">
               <a:solidFill>
                 <a:srgbClr val="111111"/>
               </a:solidFill>
-              <a:latin typeface="Helvetica Neue"/>
+              <a:latin typeface="+mn-lt"/>
               <a:ea typeface="Helvetica Neue"/>
               <a:cs typeface="Helvetica Neue"/>
               <a:sym typeface="Helvetica Neue"/>
@@ -13070,22 +13176,22 @@
               <a:buChar char="•"/>
             </a:pPr>
             <a:r>
-              <a:rPr lang="en-US" sz="3800">
+              <a:rPr lang="en-US" sz="4400" dirty="0">
                 <a:solidFill>
                   <a:srgbClr val="111111"/>
                 </a:solidFill>
-                <a:latin typeface="Helvetica Neue"/>
+                <a:latin typeface="+mn-lt"/>
                 <a:ea typeface="Helvetica Neue"/>
                 <a:cs typeface="Helvetica Neue"/>
                 <a:sym typeface="Helvetica Neue"/>
               </a:rPr>
               <a:t>Rating Count is close to 0 for most books</a:t>
             </a:r>
-            <a:endParaRPr sz="3800">
+            <a:endParaRPr sz="4400" dirty="0">
               <a:solidFill>
                 <a:srgbClr val="111111"/>
               </a:solidFill>
-              <a:latin typeface="Helvetica Neue"/>
+              <a:latin typeface="+mn-lt"/>
               <a:ea typeface="Helvetica Neue"/>
               <a:cs typeface="Helvetica Neue"/>
               <a:sym typeface="Helvetica Neue"/>
@@ -13104,7 +13210,7 @@
               </a:spcAft>
               <a:buNone/>
             </a:pPr>
-            <a:endParaRPr sz="3800">
+            <a:endParaRPr sz="3800" dirty="0">
               <a:solidFill>
                 <a:srgbClr val="111111"/>
               </a:solidFill>
@@ -13127,7 +13233,7 @@
               </a:spcAft>
               <a:buNone/>
             </a:pPr>
-            <a:endParaRPr sz="3400" b="0" i="0" u="none" strike="noStrike" cap="none">
+            <a:endParaRPr sz="3400" b="0" i="0" u="none" strike="noStrike" cap="none" dirty="0">
               <a:solidFill>
                 <a:srgbClr val="111111"/>
               </a:solidFill>
@@ -13155,7 +13261,7 @@
               <a:buFont typeface="Arial"/>
               <a:buNone/>
             </a:pPr>
-            <a:endParaRPr sz="1800" b="0" i="0" u="none" strike="noStrike" cap="none">
+            <a:endParaRPr sz="1800" b="0" i="0" u="none" strike="noStrike" cap="none" dirty="0">
               <a:solidFill>
                 <a:schemeClr val="dk2"/>
               </a:solidFill>
@@ -13423,14 +13529,14 @@
               <a:buNone/>
             </a:pPr>
             <a:r>
-              <a:rPr lang="en-US" sz="2500" b="1">
+              <a:rPr lang="en-US" sz="2500" b="1" dirty="0">
                 <a:highlight>
                   <a:srgbClr val="FFFFFF"/>
                 </a:highlight>
               </a:rPr>
               <a:t>Data Preprocessing - Book Similarity Measures </a:t>
             </a:r>
-            <a:endParaRPr/>
+            <a:endParaRPr dirty="0"/>
           </a:p>
         </p:txBody>
       </p:sp>
@@ -13491,7 +13597,7 @@
         </p:blipFill>
         <p:spPr>
           <a:xfrm>
-            <a:off x="5429774" y="1984505"/>
+            <a:off x="5429774" y="1932749"/>
             <a:ext cx="3521708" cy="3344092"/>
           </a:xfrm>
           <a:prstGeom prst="rect">
@@ -13549,7 +13655,7 @@
               <a:buNone/>
             </a:pPr>
             <a:r>
-              <a:rPr lang="en-US">
+              <a:rPr lang="en-US" dirty="0">
                 <a:solidFill>
                   <a:schemeClr val="dk1"/>
                 </a:solidFill>
@@ -13559,7 +13665,7 @@
               </a:rPr>
               <a:t>Voyage AI Instruct API</a:t>
             </a:r>
-            <a:endParaRPr/>
+            <a:endParaRPr dirty="0"/>
           </a:p>
         </p:txBody>
       </p:sp>
@@ -13731,7 +13837,7 @@
         </p:spPr>
         <p:txBody>
           <a:bodyPr spcFirstLastPara="1" wrap="square" lIns="91425" tIns="91425" rIns="91425" bIns="91425" anchor="t" anchorCtr="0">
-            <a:normAutofit fontScale="62500" lnSpcReduction="20000"/>
+            <a:normAutofit fontScale="70000" lnSpcReduction="20000"/>
           </a:bodyPr>
           <a:lstStyle/>
           <a:p>
@@ -13753,18 +13859,20 @@
               <a:buNone/>
             </a:pPr>
             <a:r>
-              <a:rPr lang="en-US" sz="2900" b="1">
+              <a:rPr lang="en-US" sz="2900" b="1" dirty="0">
                 <a:solidFill>
                   <a:srgbClr val="111111"/>
                 </a:solidFill>
-                <a:latin typeface="Helvetica Neue"/>
+                <a:latin typeface="+mn-lt"/>
                 <a:ea typeface="Helvetica Neue"/>
                 <a:cs typeface="Helvetica Neue"/>
                 <a:sym typeface="Helvetica Neue"/>
               </a:rPr>
               <a:t>Voyage-AI-Instruct API  </a:t>
             </a:r>
-            <a:endParaRPr/>
+            <a:endParaRPr dirty="0">
+              <a:latin typeface="+mn-lt"/>
+            </a:endParaRPr>
           </a:p>
           <a:p>
             <a:pPr marL="457200" lvl="0" indent="-315912" algn="l" rtl="0">
@@ -13785,22 +13893,22 @@
               <a:buChar char="●"/>
             </a:pPr>
             <a:r>
-              <a:rPr lang="en-US" sz="2200">
+              <a:rPr lang="en-US" sz="2200" dirty="0">
                 <a:solidFill>
                   <a:srgbClr val="111111"/>
                 </a:solidFill>
-                <a:latin typeface="Helvetica Neue"/>
+                <a:latin typeface="+mn-lt"/>
                 <a:ea typeface="Helvetica Neue"/>
                 <a:cs typeface="Helvetica Neue"/>
                 <a:sym typeface="Helvetica Neue"/>
               </a:rPr>
               <a:t>Ranked #1 in MTEB leaderboards on hugging face in Semantic Textual Similarity(STS)</a:t>
             </a:r>
-            <a:endParaRPr sz="2200">
+            <a:endParaRPr sz="2200" dirty="0">
               <a:solidFill>
                 <a:srgbClr val="111111"/>
               </a:solidFill>
-              <a:latin typeface="Helvetica Neue"/>
+              <a:latin typeface="+mn-lt"/>
               <a:ea typeface="Helvetica Neue"/>
               <a:cs typeface="Helvetica Neue"/>
               <a:sym typeface="Helvetica Neue"/>
@@ -13825,22 +13933,22 @@
               <a:buChar char="●"/>
             </a:pPr>
             <a:r>
-              <a:rPr lang="en-US" sz="2200">
+              <a:rPr lang="en-US" sz="2200" dirty="0">
                 <a:solidFill>
                   <a:srgbClr val="111111"/>
                 </a:solidFill>
-                <a:latin typeface="Helvetica Neue"/>
+                <a:latin typeface="+mn-lt"/>
                 <a:ea typeface="Helvetica Neue"/>
                 <a:cs typeface="Helvetica Neue"/>
                 <a:sym typeface="Helvetica Neue"/>
               </a:rPr>
               <a:t>Maps user text query to closest book, for use in Book Title and Plot Search </a:t>
             </a:r>
-            <a:endParaRPr sz="2200">
+            <a:endParaRPr sz="2200" dirty="0">
               <a:solidFill>
                 <a:srgbClr val="111111"/>
               </a:solidFill>
-              <a:latin typeface="Helvetica Neue"/>
+              <a:latin typeface="+mn-lt"/>
               <a:ea typeface="Helvetica Neue"/>
               <a:cs typeface="Helvetica Neue"/>
               <a:sym typeface="Helvetica Neue"/>
@@ -13865,22 +13973,22 @@
               <a:buChar char="●"/>
             </a:pPr>
             <a:r>
-              <a:rPr lang="en-US" sz="2200">
+              <a:rPr lang="en-US" sz="2200" dirty="0">
                 <a:solidFill>
                   <a:srgbClr val="111111"/>
                 </a:solidFill>
-                <a:latin typeface="Helvetica Neue"/>
+                <a:latin typeface="+mn-lt"/>
                 <a:ea typeface="Helvetica Neue"/>
                 <a:cs typeface="Helvetica Neue"/>
                 <a:sym typeface="Helvetica Neue"/>
               </a:rPr>
               <a:t>Calculates “distances” between books based on STS for use in Plot Search </a:t>
             </a:r>
-            <a:endParaRPr sz="1800" b="0" i="0" u="none" strike="noStrike" cap="none">
+            <a:endParaRPr sz="1800" b="0" i="0" u="none" strike="noStrike" cap="none" dirty="0">
               <a:solidFill>
                 <a:srgbClr val="111111"/>
               </a:solidFill>
-              <a:latin typeface="Helvetica Neue"/>
+              <a:latin typeface="+mn-lt"/>
               <a:ea typeface="Helvetica Neue"/>
               <a:cs typeface="Helvetica Neue"/>
               <a:sym typeface="Helvetica Neue"/>
@@ -13904,7 +14012,7 @@
               <a:buFont typeface="Arial"/>
               <a:buNone/>
             </a:pPr>
-            <a:endParaRPr sz="1800" b="0" i="0" u="none" strike="noStrike" cap="none">
+            <a:endParaRPr sz="1800" b="0" i="0" u="none" strike="noStrike" cap="none" dirty="0">
               <a:solidFill>
                 <a:schemeClr val="dk2"/>
               </a:solidFill>
@@ -13953,8 +14061,8 @@
         </p:nvSpPr>
         <p:spPr>
           <a:xfrm>
-            <a:off x="311700" y="291125"/>
-            <a:ext cx="8520600" cy="572700"/>
+            <a:off x="311700" y="135852"/>
+            <a:ext cx="2517764" cy="572700"/>
           </a:xfrm>
           <a:prstGeom prst="rect">
             <a:avLst/>
@@ -13988,113 +14096,17 @@
               <a:buNone/>
             </a:pPr>
             <a:r>
-              <a:rPr lang="en-US" sz="2500" b="1">
+              <a:rPr lang="en-US" sz="2500" b="1" dirty="0">
                 <a:highlight>
                   <a:srgbClr val="FFFFFF"/>
                 </a:highlight>
               </a:rPr>
               <a:t>Design</a:t>
             </a:r>
-            <a:endParaRPr/>
+            <a:endParaRPr dirty="0"/>
           </a:p>
         </p:txBody>
       </p:sp>
-      <p:sp>
-        <p:nvSpPr>
-          <p:cNvPr id="122" name="Google Shape;122;p7"/>
-          <p:cNvSpPr txBox="1">
-            <a:spLocks noGrp="1"/>
-          </p:cNvSpPr>
-          <p:nvPr>
-            <p:ph type="body" idx="1"/>
-          </p:nvPr>
-        </p:nvSpPr>
-        <p:spPr>
-          <a:xfrm>
-            <a:off x="311700" y="1152475"/>
-            <a:ext cx="8520600" cy="3416400"/>
-          </a:xfrm>
-          <a:prstGeom prst="rect">
-            <a:avLst/>
-          </a:prstGeom>
-          <a:noFill/>
-          <a:ln>
-            <a:noFill/>
-          </a:ln>
-        </p:spPr>
-        <p:txBody>
-          <a:bodyPr spcFirstLastPara="1" wrap="square" lIns="91425" tIns="91425" rIns="91425" bIns="91425" anchor="t" anchorCtr="0">
-            <a:normAutofit/>
-          </a:bodyPr>
-          <a:lstStyle/>
-          <a:p>
-            <a:pPr marL="914400" lvl="1" indent="-228600" algn="l" rtl="0">
-              <a:lnSpc>
-                <a:spcPct val="115000"/>
-              </a:lnSpc>
-              <a:spcBef>
-                <a:spcPts val="1200"/>
-              </a:spcBef>
-              <a:spcAft>
-                <a:spcPts val="0"/>
-              </a:spcAft>
-              <a:buClr>
-                <a:schemeClr val="dk1"/>
-              </a:buClr>
-              <a:buSzPts val="1100"/>
-              <a:buNone/>
-            </a:pPr>
-            <a:endParaRPr sz="1800">
-              <a:highlight>
-                <a:srgbClr val="FFFFFF"/>
-              </a:highlight>
-            </a:endParaRPr>
-          </a:p>
-          <a:p>
-            <a:pPr marL="0" lvl="0" indent="0" algn="l" rtl="0">
-              <a:lnSpc>
-                <a:spcPct val="115000"/>
-              </a:lnSpc>
-              <a:spcBef>
-                <a:spcPts val="1200"/>
-              </a:spcBef>
-              <a:spcAft>
-                <a:spcPts val="1200"/>
-              </a:spcAft>
-              <a:buSzPts val="1800"/>
-              <a:buNone/>
-            </a:pPr>
-            <a:endParaRPr/>
-          </a:p>
-        </p:txBody>
-      </p:sp>
-      <p:pic>
-        <p:nvPicPr>
-          <p:cNvPr id="123" name="Google Shape;123;p7"/>
-          <p:cNvPicPr preferRelativeResize="0"/>
-          <p:nvPr/>
-        </p:nvPicPr>
-        <p:blipFill rotWithShape="1">
-          <a:blip r:embed="rId3">
-            <a:alphaModFix/>
-          </a:blip>
-          <a:srcRect/>
-          <a:stretch/>
-        </p:blipFill>
-        <p:spPr>
-          <a:xfrm>
-            <a:off x="2154445" y="899886"/>
-            <a:ext cx="3080910" cy="3721100"/>
-          </a:xfrm>
-          <a:prstGeom prst="rect">
-            <a:avLst/>
-          </a:prstGeom>
-          <a:noFill/>
-          <a:ln>
-            <a:noFill/>
-          </a:ln>
-        </p:spPr>
-      </p:pic>
       <p:pic>
         <p:nvPicPr>
           <p:cNvPr id="124" name="Google Shape;124;p7" descr="A blue and black butterfly&#10;&#10;Description automatically generated"/>
@@ -14102,7 +14114,7 @@
           <p:nvPr/>
         </p:nvPicPr>
         <p:blipFill rotWithShape="1">
-          <a:blip r:embed="rId4">
+          <a:blip r:embed="rId3">
             <a:alphaModFix/>
           </a:blip>
           <a:srcRect/>
@@ -14120,6 +14132,48 @@
           <a:ln>
             <a:noFill/>
           </a:ln>
+        </p:spPr>
+      </p:pic>
+      <p:pic>
+        <p:nvPicPr>
+          <p:cNvPr id="2" name="Picture 1">
+            <a:extLst>
+              <a:ext uri="{FF2B5EF4-FFF2-40B4-BE49-F238E27FC236}">
+                <a16:creationId xmlns:a16="http://schemas.microsoft.com/office/drawing/2014/main" id="{FEC86686-0225-6CA5-10A8-E4A480F083CD}"/>
+              </a:ext>
+            </a:extLst>
+          </p:cNvPr>
+          <p:cNvPicPr>
+            <a:picLocks noChangeAspect="1"/>
+          </p:cNvPicPr>
+          <p:nvPr/>
+        </p:nvPicPr>
+        <p:blipFill>
+          <a:blip r:embed="rId4">
+            <a:extLst>
+              <a:ext uri="{BEBA8EAE-BF5A-486C-A8C5-ECC9F3942E4B}">
+                <a14:imgProps xmlns:a14="http://schemas.microsoft.com/office/drawing/2010/main">
+                  <a14:imgLayer r:embed="rId5">
+                    <a14:imgEffect>
+                      <a14:brightnessContrast contrast="30000"/>
+                    </a14:imgEffect>
+                  </a14:imgLayer>
+                </a14:imgProps>
+              </a:ext>
+            </a:extLst>
+          </a:blip>
+          <a:stretch>
+            <a:fillRect/>
+          </a:stretch>
+        </p:blipFill>
+        <p:spPr>
+          <a:xfrm>
+            <a:off x="1219911" y="841500"/>
+            <a:ext cx="6737959" cy="4088127"/>
+          </a:xfrm>
+          <a:prstGeom prst="rect">
+            <a:avLst/>
+          </a:prstGeom>
         </p:spPr>
       </p:pic>
     </p:spTree>
@@ -14172,7 +14226,7 @@
         </p:spPr>
         <p:txBody>
           <a:bodyPr spcFirstLastPara="1" wrap="square" lIns="91425" tIns="91425" rIns="91425" bIns="91425" anchor="t" anchorCtr="0">
-            <a:normAutofit/>
+            <a:normAutofit fontScale="90000"/>
           </a:bodyPr>
           <a:lstStyle/>
           <a:p>
@@ -14194,14 +14248,14 @@
               <a:buNone/>
             </a:pPr>
             <a:r>
-              <a:rPr lang="en-US" sz="2500" b="1">
+              <a:rPr lang="en-US" sz="2500" b="1" dirty="0">
                 <a:highlight>
                   <a:srgbClr val="FFFFFF"/>
                 </a:highlight>
               </a:rPr>
               <a:t>Demo! </a:t>
             </a:r>
-            <a:endParaRPr/>
+            <a:endParaRPr dirty="0"/>
           </a:p>
         </p:txBody>
       </p:sp>
@@ -14240,8 +14294,8 @@
         </p:nvSpPr>
         <p:spPr>
           <a:xfrm>
-            <a:off x="1402775" y="1836125"/>
-            <a:ext cx="6159168" cy="1769685"/>
+            <a:off x="1492416" y="1922389"/>
+            <a:ext cx="6159168" cy="723245"/>
           </a:xfrm>
           <a:prstGeom prst="rect">
             <a:avLst/>
@@ -14284,102 +14338,7 @@
               <a:buNone/>
             </a:pPr>
             <a:r>
-              <a:rPr lang="en-US" sz="1400" dirty="0" err="1">
-                <a:hlinkClick r:id="rId5"/>
-              </a:rPr>
-              <a:t>bookworm_rec</a:t>
-            </a:r>
-            <a:r>
-              <a:rPr lang="en-US" sz="1400" dirty="0">
-                <a:hlinkClick r:id="rId5"/>
-              </a:rPr>
-              <a:t>/docs/demo_for_3_13.mp4 at main · jacobp24/</a:t>
-            </a:r>
-            <a:r>
-              <a:rPr lang="en-US" sz="1400" dirty="0" err="1">
-                <a:hlinkClick r:id="rId5"/>
-              </a:rPr>
-              <a:t>bookworm_rec</a:t>
-            </a:r>
-            <a:r>
-              <a:rPr lang="en-US" sz="1400" dirty="0">
-                <a:hlinkClick r:id="rId5"/>
-              </a:rPr>
-              <a:t> (github.com)</a:t>
-            </a:r>
-            <a:r>
-              <a:rPr lang="en-US" sz="1400" dirty="0"/>
-              <a:t>   </a:t>
-            </a:r>
-          </a:p>
-          <a:p>
-            <a:pPr marL="0" lvl="0" indent="0" algn="l" rtl="0">
-              <a:spcBef>
-                <a:spcPts val="0"/>
-              </a:spcBef>
-              <a:spcAft>
-                <a:spcPts val="0"/>
-              </a:spcAft>
-              <a:buNone/>
-            </a:pPr>
-            <a:endParaRPr lang="en-US" dirty="0"/>
-          </a:p>
-          <a:p>
-            <a:pPr marL="0" lvl="0" indent="0" algn="l" rtl="0">
-              <a:spcBef>
-                <a:spcPts val="0"/>
-              </a:spcBef>
-              <a:spcAft>
-                <a:spcPts val="0"/>
-              </a:spcAft>
-              <a:buNone/>
-            </a:pPr>
-            <a:endParaRPr lang="en-US" sz="1400" dirty="0"/>
-          </a:p>
-          <a:p>
-            <a:pPr marL="0" lvl="0" indent="0" algn="l" rtl="0">
-              <a:spcBef>
-                <a:spcPts val="0"/>
-              </a:spcBef>
-              <a:spcAft>
-                <a:spcPts val="0"/>
-              </a:spcAft>
-              <a:buNone/>
-            </a:pPr>
-            <a:r>
-              <a:rPr lang="en-US" sz="1400" dirty="0"/>
-              <a:t>OR </a:t>
-            </a:r>
-          </a:p>
-          <a:p>
-            <a:pPr marL="0" lvl="0" indent="0" algn="l" rtl="0">
-              <a:spcBef>
-                <a:spcPts val="0"/>
-              </a:spcBef>
-              <a:spcAft>
-                <a:spcPts val="0"/>
-              </a:spcAft>
-              <a:buNone/>
-            </a:pPr>
-            <a:endParaRPr lang="en-US" sz="1100" u="sng" dirty="0">
-              <a:solidFill>
-                <a:schemeClr val="hlink"/>
-              </a:solidFill>
-              <a:hlinkClick r:id="rId4"/>
-            </a:endParaRPr>
-          </a:p>
-          <a:p>
-            <a:pPr marL="0" lvl="0" indent="0" algn="l" rtl="0">
-              <a:spcBef>
-                <a:spcPts val="0"/>
-              </a:spcBef>
-              <a:spcAft>
-                <a:spcPts val="0"/>
-              </a:spcAft>
-              <a:buNone/>
-            </a:pPr>
-            <a:r>
-              <a:rPr lang="en-US" sz="1100" u="sng" dirty="0">
+              <a:rPr lang="en-US" sz="2400" u="sng" dirty="0">
                 <a:solidFill>
                   <a:schemeClr val="hlink"/>
                 </a:solidFill>
@@ -14387,7 +14346,7 @@
               </a:rPr>
               <a:t>Home - Google Drive</a:t>
             </a:r>
-            <a:endParaRPr dirty="0"/>
+            <a:endParaRPr sz="3200" dirty="0"/>
           </a:p>
         </p:txBody>
       </p:sp>
@@ -14463,14 +14422,14 @@
               <a:buNone/>
             </a:pPr>
             <a:r>
-              <a:rPr lang="en-US" sz="2500" b="1">
+              <a:rPr lang="en-US" sz="2500" b="1" dirty="0">
                 <a:highlight>
                   <a:srgbClr val="FFFFFF"/>
                 </a:highlight>
               </a:rPr>
               <a:t>Demo - Plot Search Results </a:t>
             </a:r>
-            <a:endParaRPr/>
+            <a:endParaRPr dirty="0"/>
           </a:p>
         </p:txBody>
       </p:sp>
@@ -14572,18 +14531,20 @@
               <a:buNone/>
             </a:pPr>
             <a:r>
-              <a:rPr lang="en-US" sz="2047" b="1">
+              <a:rPr lang="en-US" sz="2047" b="1" dirty="0">
                 <a:solidFill>
                   <a:srgbClr val="111111"/>
                 </a:solidFill>
-                <a:latin typeface="Helvetica Neue"/>
+                <a:latin typeface="+mn-lt"/>
                 <a:ea typeface="Helvetica Neue"/>
                 <a:cs typeface="Helvetica Neue"/>
                 <a:sym typeface="Helvetica Neue"/>
               </a:rPr>
               <a:t>Query: </a:t>
             </a:r>
-            <a:endParaRPr sz="885"/>
+            <a:endParaRPr sz="885" dirty="0">
+              <a:latin typeface="+mn-lt"/>
+            </a:endParaRPr>
           </a:p>
           <a:p>
             <a:pPr marL="0" lvl="0" indent="0" algn="l" rtl="0">
@@ -14600,22 +14561,22 @@
               <a:buNone/>
             </a:pPr>
             <a:r>
-              <a:rPr lang="en-US" sz="1505">
+              <a:rPr lang="en-US" sz="1505" dirty="0">
                 <a:solidFill>
                   <a:srgbClr val="111111"/>
                 </a:solidFill>
-                <a:latin typeface="Helvetica Neue"/>
+                <a:latin typeface="+mn-lt"/>
                 <a:ea typeface="Helvetica Neue"/>
                 <a:cs typeface="Helvetica Neue"/>
                 <a:sym typeface="Helvetica Neue"/>
               </a:rPr>
               <a:t>Detectives that solve murders from long ago. </a:t>
             </a:r>
-            <a:endParaRPr sz="1195" b="0" i="0" u="none" strike="noStrike" cap="none">
+            <a:endParaRPr sz="1195" b="0" i="0" u="none" strike="noStrike" cap="none" dirty="0">
               <a:solidFill>
                 <a:schemeClr val="dk2"/>
               </a:solidFill>
-              <a:latin typeface="Arial"/>
+              <a:latin typeface="+mn-lt"/>
               <a:ea typeface="Arial"/>
               <a:cs typeface="Arial"/>
               <a:sym typeface="Arial"/>
